--- a/FYP - Thesis Write Up/Poster_Template1 B.Sc.IT.AI.pptx
+++ b/FYP - Thesis Write Up/Poster_Template1 B.Sc.IT.AI.pptx
@@ -3039,7 +3039,7 @@
           <a:p>
             <a:fld id="{70F0E767-06F5-1743-8250-09BED16D1E0E}" type="datetimeFigureOut">
               <a:rPr lang="en-US" smtClean="0"/>
-              <a:t>4/9/2024</a:t>
+              <a:t>5/4/2024</a:t>
             </a:fld>
             <a:endParaRPr lang="en-US"/>
           </a:p>
@@ -3216,7 +3216,7 @@
           <a:p>
             <a:fld id="{01FC99CA-AF55-2547-B865-ACD414BD3D5B}" type="datetimeFigureOut">
               <a:rPr lang="en-US" smtClean="0"/>
-              <a:t>4/9/2024</a:t>
+              <a:t>5/4/2024</a:t>
             </a:fld>
             <a:endParaRPr lang="en-US"/>
           </a:p>
@@ -3698,7 +3698,7 @@
           <a:p>
             <a:fld id="{0D95E40B-6DE2-BC44-9D41-DAE6D07500F7}" type="datetimeFigureOut">
               <a:rPr lang="en-US" smtClean="0"/>
-              <a:t>4/9/2024</a:t>
+              <a:t>5/4/2024</a:t>
             </a:fld>
             <a:endParaRPr lang="en-US"/>
           </a:p>
@@ -3868,7 +3868,7 @@
           <a:p>
             <a:fld id="{0D95E40B-6DE2-BC44-9D41-DAE6D07500F7}" type="datetimeFigureOut">
               <a:rPr lang="en-US" smtClean="0"/>
-              <a:t>4/9/2024</a:t>
+              <a:t>5/4/2024</a:t>
             </a:fld>
             <a:endParaRPr lang="en-US"/>
           </a:p>
@@ -4048,7 +4048,7 @@
           <a:p>
             <a:fld id="{0D95E40B-6DE2-BC44-9D41-DAE6D07500F7}" type="datetimeFigureOut">
               <a:rPr lang="en-US" smtClean="0"/>
-              <a:t>4/9/2024</a:t>
+              <a:t>5/4/2024</a:t>
             </a:fld>
             <a:endParaRPr lang="en-US"/>
           </a:p>
@@ -4218,7 +4218,7 @@
           <a:p>
             <a:fld id="{0D95E40B-6DE2-BC44-9D41-DAE6D07500F7}" type="datetimeFigureOut">
               <a:rPr lang="en-US" smtClean="0"/>
-              <a:t>4/9/2024</a:t>
+              <a:t>5/4/2024</a:t>
             </a:fld>
             <a:endParaRPr lang="en-US"/>
           </a:p>
@@ -4462,7 +4462,7 @@
           <a:p>
             <a:fld id="{0D95E40B-6DE2-BC44-9D41-DAE6D07500F7}" type="datetimeFigureOut">
               <a:rPr lang="en-US" smtClean="0"/>
-              <a:t>4/9/2024</a:t>
+              <a:t>5/4/2024</a:t>
             </a:fld>
             <a:endParaRPr lang="en-US"/>
           </a:p>
@@ -4694,7 +4694,7 @@
           <a:p>
             <a:fld id="{0D95E40B-6DE2-BC44-9D41-DAE6D07500F7}" type="datetimeFigureOut">
               <a:rPr lang="en-US" smtClean="0"/>
-              <a:t>4/9/2024</a:t>
+              <a:t>5/4/2024</a:t>
             </a:fld>
             <a:endParaRPr lang="en-US"/>
           </a:p>
@@ -5061,7 +5061,7 @@
           <a:p>
             <a:fld id="{0D95E40B-6DE2-BC44-9D41-DAE6D07500F7}" type="datetimeFigureOut">
               <a:rPr lang="en-US" smtClean="0"/>
-              <a:t>4/9/2024</a:t>
+              <a:t>5/4/2024</a:t>
             </a:fld>
             <a:endParaRPr lang="en-US"/>
           </a:p>
@@ -5179,7 +5179,7 @@
           <a:p>
             <a:fld id="{0D95E40B-6DE2-BC44-9D41-DAE6D07500F7}" type="datetimeFigureOut">
               <a:rPr lang="en-US" smtClean="0"/>
-              <a:t>4/9/2024</a:t>
+              <a:t>5/4/2024</a:t>
             </a:fld>
             <a:endParaRPr lang="en-US"/>
           </a:p>
@@ -5274,7 +5274,7 @@
           <a:p>
             <a:fld id="{0D95E40B-6DE2-BC44-9D41-DAE6D07500F7}" type="datetimeFigureOut">
               <a:rPr lang="en-US" smtClean="0"/>
-              <a:t>4/9/2024</a:t>
+              <a:t>5/4/2024</a:t>
             </a:fld>
             <a:endParaRPr lang="en-US"/>
           </a:p>
@@ -5551,7 +5551,7 @@
           <a:p>
             <a:fld id="{0D95E40B-6DE2-BC44-9D41-DAE6D07500F7}" type="datetimeFigureOut">
               <a:rPr lang="en-US" smtClean="0"/>
-              <a:t>4/9/2024</a:t>
+              <a:t>5/4/2024</a:t>
             </a:fld>
             <a:endParaRPr lang="en-US"/>
           </a:p>
@@ -5808,7 +5808,7 @@
           <a:p>
             <a:fld id="{0D95E40B-6DE2-BC44-9D41-DAE6D07500F7}" type="datetimeFigureOut">
               <a:rPr lang="en-US" smtClean="0"/>
-              <a:t>4/9/2024</a:t>
+              <a:t>5/4/2024</a:t>
             </a:fld>
             <a:endParaRPr lang="en-US"/>
           </a:p>
@@ -6021,7 +6021,7 @@
           <a:p>
             <a:fld id="{0D95E40B-6DE2-BC44-9D41-DAE6D07500F7}" type="datetimeFigureOut">
               <a:rPr lang="en-US" smtClean="0"/>
-              <a:t>4/9/2024</a:t>
+              <a:t>5/4/2024</a:t>
             </a:fld>
             <a:endParaRPr lang="en-US"/>
           </a:p>
@@ -6649,7 +6649,7 @@
           <p:nvPr>
             <p:extLst>
               <p:ext uri="{D42A27DB-BD31-4B8C-83A1-F6EECF244321}">
-                <p14:modId xmlns:p14="http://schemas.microsoft.com/office/powerpoint/2010/main" val="1677627742"/>
+                <p14:modId xmlns:p14="http://schemas.microsoft.com/office/powerpoint/2010/main" val="566165002"/>
               </p:ext>
             </p:extLst>
           </p:nvPr>
@@ -6679,6 +6679,7 @@
                     <a:bodyPr/>
                     <a:lstStyle/>
                     <a:p>
+                      <a:pPr algn="just"/>
                       <a:r>
                         <a:rPr lang="en-US" sz="2800" b="0" i="1" dirty="0">
                           <a:solidFill>
@@ -6746,7 +6747,7 @@
                     <a:bodyPr/>
                     <a:lstStyle/>
                     <a:p>
-                      <a:pPr marL="0" marR="0" lvl="0" indent="0" algn="l" defTabSz="1511960" rtl="0" eaLnBrk="1" fontAlgn="auto" latinLnBrk="0" hangingPunct="1">
+                      <a:pPr marL="0" marR="0" lvl="0" indent="0" algn="just" defTabSz="1511960" rtl="0" eaLnBrk="1" fontAlgn="auto" latinLnBrk="0" hangingPunct="1">
                         <a:lnSpc>
                           <a:spcPct val="100000"/>
                         </a:lnSpc>
@@ -6839,14 +6840,14 @@
           <p:nvPr>
             <p:extLst>
               <p:ext uri="{D42A27DB-BD31-4B8C-83A1-F6EECF244321}">
-                <p14:modId xmlns:p14="http://schemas.microsoft.com/office/powerpoint/2010/main" val="4155981006"/>
+                <p14:modId xmlns:p14="http://schemas.microsoft.com/office/powerpoint/2010/main" val="4094484253"/>
               </p:ext>
             </p:extLst>
           </p:nvPr>
         </p:nvGraphicFramePr>
         <p:xfrm>
           <a:off x="538161" y="13630275"/>
-          <a:ext cx="14043025" cy="4045200"/>
+          <a:ext cx="14043025" cy="3801360"/>
         </p:xfrm>
         <a:graphic>
           <a:graphicData uri="http://schemas.openxmlformats.org/drawingml/2006/table">
@@ -6869,6 +6870,7 @@
                     <a:bodyPr/>
                     <a:lstStyle/>
                     <a:p>
+                      <a:pPr algn="just"/>
                       <a:r>
                         <a:rPr lang="en-US" sz="2800" b="0" i="1" dirty="0">
                           <a:solidFill>
@@ -6936,7 +6938,7 @@
                     <a:bodyPr/>
                     <a:lstStyle/>
                     <a:p>
-                      <a:pPr marL="0" marR="0" lvl="0" indent="0" algn="l" defTabSz="1511960" rtl="0" eaLnBrk="1" fontAlgn="auto" latinLnBrk="0" hangingPunct="1">
+                      <a:pPr marL="0" marR="0" lvl="0" indent="0" algn="just" defTabSz="1511960" rtl="0" eaLnBrk="1" fontAlgn="auto" latinLnBrk="0" hangingPunct="1">
                         <a:lnSpc>
                           <a:spcPct val="100000"/>
                         </a:lnSpc>
@@ -6959,7 +6961,23 @@
                           <a:ea typeface="Lato" panose="020F0502020204030203" pitchFamily="34" charset="0"/>
                           <a:cs typeface="Lato" panose="020F0502020204030203" pitchFamily="34" charset="0"/>
                         </a:rPr>
-                        <a:t>Following the extraction of the metrics and their interpretation in line with the methodology pipeline the biases within the dataset and models were made clear. Firstly, it was noted that real-world data is not severely biased with doctors being predominately young white males whereas nurses’ young white females, this being crucial information seeing as these models are trained on real-world data. In relation to the LAION-400M dataset which consisted of images from the common crawl it was evident that it contained innate bias seeing as it depicted a far greater degree of doctors younger than 55, whilst having majority female representation and similar racial demographics to real-world metrics. Furthermore, nurses saw most depictions younger than 55 however a reduction in bias when it comes to gender and race when compared to real-world metrics. Observing the generative models, Stable Diffusion depicted a sever gender, racial and age bias aligning and exceeding real-world metrics. The prominence metrics denoted equal prominence amongst genders, whereas racially, Asian appeared to be more prominent overall however these results are not conclusive given minimal Asian depictions. The Midjourney results depict a similar picture with sever gender and age bias, doctors as predominately young males and nurse’s young females exceeding real-world metrics. Contrarily racial bias was reduced with white remaining as the dominant race however with a severely reduced representation. Furthermore, prominence metrics depict an even prominence amongst genders and races. Finally, Dall-E produced the most promising results having mostly balanced gender and racial depictions with the latter being slightly biased towards Asian and Indian. Contrarily all depictions were younger than 55 denoting sever age bias. The prominence metrics depict even distribution amongst gender and race with some races being marginally more prominent. In relation to this, images depicting both doctors and nurses simultaneously were processed however they provided no additional insight. </a:t>
+                        <a:t>Following the extraction of the metrics and their interpretation according to the methodology pipeline, the biases within both the dataset and models became evident. Firstly, in real-world data, doctors were predominately young white males, while nurses were young white females –a crucial observation seeing as these models are trained on such data. In relation to the LAION-400M dataset, sourced from the common crawl, its inherent biases were evident given that it depicted a far greater degree of doctors younger than 55, with the dominant gender being female however having similar racial demographics to real-world metrics. Similarly, nurse depiction consisted of individuals younger than 55 however there was a lack of gender and race bias when compared to real-world metrics. Observing the generative models, Stable Diffusion depicted severe gender, racial and age bias aligning and exceeding real-world metrics. The prominence metrics denoted equal prominence amongst genders, whereas racially, Asian appeared to be more prominent overall however these results are not conclusive given minimal Asian depictions. Similarly, Midjourney depicted severe gender and age bias exceeding real-world bias. Contrarily racial bias was reduced with white remaining as the dominant race however having drastically reduced representation. Furthermore, prominence metrics depict an even prominence amongst genders and races. Finally, Dall-E produced the most promising </a:t>
+                      </a:r>
+                      <a:r>
+                        <a:rPr lang="en-GB" sz="1600" noProof="0" dirty="0">
+                          <a:latin typeface="Lato" panose="020F0502020204030203" pitchFamily="34" charset="0"/>
+                          <a:ea typeface="Lato" panose="020F0502020204030203" pitchFamily="34" charset="0"/>
+                          <a:cs typeface="Lato" panose="020F0502020204030203" pitchFamily="34" charset="0"/>
+                        </a:rPr>
+                        <a:t>results</a:t>
+                      </a:r>
+                      <a:r>
+                        <a:rPr lang="en-US" sz="1600" dirty="0">
+                          <a:latin typeface="Lato" panose="020F0502020204030203" pitchFamily="34" charset="0"/>
+                          <a:ea typeface="Lato" panose="020F0502020204030203" pitchFamily="34" charset="0"/>
+                          <a:cs typeface="Lato" panose="020F0502020204030203" pitchFamily="34" charset="0"/>
+                        </a:rPr>
+                        <a:t> having mostly balanced gender and racial depictions with the latter being slightly biased towards Asian and Indian. Contrarily all depictions were younger than 55 denoting severe age bias. The prominence metrics depict even distribution amongst gender and race with some races being marginally more prominent. In relation to this, images depicting both doctors and nurses simultaneously were processed however they provided no additional insight. </a:t>
                       </a:r>
                     </a:p>
                   </a:txBody>
@@ -7666,7 +7684,7 @@
           <p:nvPr>
             <p:extLst>
               <p:ext uri="{D42A27DB-BD31-4B8C-83A1-F6EECF244321}">
-                <p14:modId xmlns:p14="http://schemas.microsoft.com/office/powerpoint/2010/main" val="1684363674"/>
+                <p14:modId xmlns:p14="http://schemas.microsoft.com/office/powerpoint/2010/main" val="389674769"/>
               </p:ext>
             </p:extLst>
           </p:nvPr>
@@ -7696,6 +7714,7 @@
                     <a:bodyPr/>
                     <a:lstStyle/>
                     <a:p>
+                      <a:pPr algn="just"/>
                       <a:r>
                         <a:rPr lang="en-US" sz="2800" b="0" i="1" dirty="0">
                           <a:solidFill>
@@ -7763,7 +7782,7 @@
                     <a:bodyPr/>
                     <a:lstStyle/>
                     <a:p>
-                      <a:pPr marL="0" marR="0" lvl="0" indent="0" algn="l" defTabSz="1511960" rtl="0" eaLnBrk="1" fontAlgn="auto" latinLnBrk="0" hangingPunct="1">
+                      <a:pPr marL="0" marR="0" lvl="0" indent="0" algn="just" defTabSz="1511960" rtl="0" eaLnBrk="1" fontAlgn="auto" latinLnBrk="0" hangingPunct="1">
                         <a:lnSpc>
                           <a:spcPct val="100000"/>
                         </a:lnSpc>
@@ -7786,7 +7805,7 @@
                           <a:ea typeface="Lato" panose="020F0502020204030203" pitchFamily="34" charset="0"/>
                           <a:cs typeface="Lato" panose="020F0502020204030203" pitchFamily="34" charset="0"/>
                         </a:rPr>
-                        <a:t>In line with the results achieved it was clear that Dall-E was the most in line with the requirements of a non-biased generative model, that being that it had minimal to no bias. This lack of bias led to the discovery of its anti-bias measure, this being a prompt </a:t>
+                        <a:t>In line with the results achieved it was clear that Dall-E was the most in line with the requirements of a non-biased generative model, having the least bias in comparison to the other models. This lack of bias led to the discovery of its anti-bias measure, this being a prompt </a:t>
                       </a:r>
                       <a:r>
                         <a:rPr lang="en-US" sz="1600" kern="1200" dirty="0">
@@ -7808,7 +7827,7 @@
                           <a:ea typeface="Lato" panose="020F0502020204030203" pitchFamily="34" charset="0"/>
                           <a:cs typeface="Lato" panose="020F0502020204030203" pitchFamily="34" charset="0"/>
                         </a:rPr>
-                        <a:t>higher quality images. Furthermore, the results indicated that amongst some models steps are being taken to reduce gender and race bias, however this doesn’t appear to be the case for age bias seeing as 20-29 was a dominant age amongst all results. This research can be expanded upon by delving deeper into different forms of bias, studying alternate bias reduction measures similar to that applied in Dall-E and the creation of a small scale non-biased generative model  by which bias reduction techniques can be further studied.</a:t>
+                        <a:t>higher quality images. Furthermore, the results indicated that amongst some models steps are being taken to reduce gender and race bias, however this does not appear to be the case for age bias seeing as 20-29 was a dominant age amongst all results. This research can be expanded upon by delving deeper into different forms of bias, studying alternate bias reduction measures similar to that applied in Dall-E and the creation of a small scale non-biased generative model  by which bias reduction techniques can be further studied.</a:t>
                       </a:r>
                       <a:endParaRPr lang="en-US" sz="1600" dirty="0">
                         <a:latin typeface="Lato" panose="020F0502020204030203" pitchFamily="34" charset="0"/>
@@ -7883,7 +7902,7 @@
           <p:nvPr>
             <p:extLst>
               <p:ext uri="{D42A27DB-BD31-4B8C-83A1-F6EECF244321}">
-                <p14:modId xmlns:p14="http://schemas.microsoft.com/office/powerpoint/2010/main" val="2739911548"/>
+                <p14:modId xmlns:p14="http://schemas.microsoft.com/office/powerpoint/2010/main" val="1161476647"/>
               </p:ext>
             </p:extLst>
           </p:nvPr>
@@ -7913,6 +7932,7 @@
                     <a:bodyPr/>
                     <a:lstStyle/>
                     <a:p>
+                      <a:pPr algn="just"/>
                       <a:r>
                         <a:rPr lang="en-US" sz="2800" b="0" i="1" dirty="0">
                           <a:solidFill>
@@ -7980,7 +8000,7 @@
                     <a:bodyPr/>
                     <a:lstStyle/>
                     <a:p>
-                      <a:pPr marL="0" marR="0" lvl="0" indent="0" algn="l" defTabSz="1511960" rtl="0" eaLnBrk="1" fontAlgn="auto" latinLnBrk="0" hangingPunct="1">
+                      <a:pPr marL="0" marR="0" lvl="0" indent="0" algn="just" defTabSz="1511960" rtl="0" eaLnBrk="1" fontAlgn="auto" latinLnBrk="0" hangingPunct="1">
                         <a:lnSpc>
                           <a:spcPct val="100000"/>
                         </a:lnSpc>
@@ -8073,7 +8093,7 @@
           <p:nvPr>
             <p:extLst>
               <p:ext uri="{D42A27DB-BD31-4B8C-83A1-F6EECF244321}">
-                <p14:modId xmlns:p14="http://schemas.microsoft.com/office/powerpoint/2010/main" val="3076242924"/>
+                <p14:modId xmlns:p14="http://schemas.microsoft.com/office/powerpoint/2010/main" val="2330619250"/>
               </p:ext>
             </p:extLst>
           </p:nvPr>
@@ -8112,7 +8132,7 @@
                           <a:ea typeface="Lato Light" panose="020F0502020204030203" pitchFamily="34" charset="0"/>
                           <a:cs typeface="Lato Light" panose="020F0502020204030203" pitchFamily="34" charset="0"/>
                         </a:rPr>
-                        <a:t>ARCHITECTURE DESIGN</a:t>
+                        <a:t>EXAMPLE IMAGES &amp; RESULTS </a:t>
                       </a:r>
                     </a:p>
                   </a:txBody>
@@ -8280,36 +8300,87 @@
           </a:prstGeom>
         </p:spPr>
       </p:pic>
-      <p:pic>
-        <p:nvPicPr>
-          <p:cNvPr id="5" name="Picture 4" descr="A diagram of a flowchart&#10;&#10;Description automatically generated">
+      <p:grpSp>
+        <p:nvGrpSpPr>
+          <p:cNvPr id="10" name="Group 9">
             <a:extLst>
               <a:ext uri="{FF2B5EF4-FFF2-40B4-BE49-F238E27FC236}">
-                <a16:creationId xmlns:a16="http://schemas.microsoft.com/office/drawing/2014/main" id="{E79B2066-24A4-107B-5B91-D4FCDD164256}"/>
+                <a16:creationId xmlns:a16="http://schemas.microsoft.com/office/drawing/2014/main" id="{3ABC85E8-5F78-4D62-F8DD-D999C23B9734}"/>
               </a:ext>
             </a:extLst>
           </p:cNvPr>
-          <p:cNvPicPr>
-            <a:picLocks noChangeAspect="1"/>
-          </p:cNvPicPr>
+          <p:cNvGrpSpPr/>
           <p:nvPr/>
-        </p:nvPicPr>
-        <p:blipFill>
-          <a:blip r:embed="rId12"/>
-          <a:stretch>
-            <a:fillRect/>
-          </a:stretch>
-        </p:blipFill>
-        <p:spPr>
+        </p:nvGrpSpPr>
+        <p:grpSpPr>
           <a:xfrm>
-            <a:off x="7864111" y="4158934"/>
-            <a:ext cx="6736648" cy="5062531"/>
+            <a:off x="8633652" y="4220775"/>
+            <a:ext cx="4916959" cy="7031862"/>
+            <a:chOff x="8633652" y="4220775"/>
+            <a:chExt cx="4916959" cy="7031862"/>
           </a:xfrm>
-          <a:prstGeom prst="rect">
-            <a:avLst/>
-          </a:prstGeom>
-        </p:spPr>
-      </p:pic>
+        </p:grpSpPr>
+        <p:pic>
+          <p:nvPicPr>
+            <p:cNvPr id="6" name="Picture 5" descr="A graph of different colored bars&#10;&#10;Description automatically generated">
+              <a:extLst>
+                <a:ext uri="{FF2B5EF4-FFF2-40B4-BE49-F238E27FC236}">
+                  <a16:creationId xmlns:a16="http://schemas.microsoft.com/office/drawing/2014/main" id="{BA30C29F-5C91-C15B-DAEF-116094B5E081}"/>
+                </a:ext>
+              </a:extLst>
+            </p:cNvPr>
+            <p:cNvPicPr>
+              <a:picLocks noChangeAspect="1"/>
+            </p:cNvPicPr>
+            <p:nvPr/>
+          </p:nvPicPr>
+          <p:blipFill>
+            <a:blip r:embed="rId12"/>
+            <a:stretch>
+              <a:fillRect/>
+            </a:stretch>
+          </p:blipFill>
+          <p:spPr>
+            <a:xfrm>
+              <a:off x="8633652" y="7580477"/>
+              <a:ext cx="4916959" cy="3672160"/>
+            </a:xfrm>
+            <a:prstGeom prst="rect">
+              <a:avLst/>
+            </a:prstGeom>
+          </p:spPr>
+        </p:pic>
+        <p:pic>
+          <p:nvPicPr>
+            <p:cNvPr id="9" name="Picture 8" descr="A collage of several people wearing medical uniforms&#10;&#10;Description automatically generated">
+              <a:extLst>
+                <a:ext uri="{FF2B5EF4-FFF2-40B4-BE49-F238E27FC236}">
+                  <a16:creationId xmlns:a16="http://schemas.microsoft.com/office/drawing/2014/main" id="{90FFA1FD-BC92-EB78-E3D7-C55351BE654E}"/>
+                </a:ext>
+              </a:extLst>
+            </p:cNvPr>
+            <p:cNvPicPr>
+              <a:picLocks noChangeAspect="1"/>
+            </p:cNvPicPr>
+            <p:nvPr/>
+          </p:nvPicPr>
+          <p:blipFill>
+            <a:blip r:embed="rId13"/>
+            <a:stretch>
+              <a:fillRect/>
+            </a:stretch>
+          </p:blipFill>
+          <p:spPr>
+            <a:xfrm>
+              <a:off x="9386307" y="4220775"/>
+              <a:ext cx="3654000" cy="3300060"/>
+            </a:xfrm>
+            <a:prstGeom prst="rect">
+              <a:avLst/>
+            </a:prstGeom>
+          </p:spPr>
+        </p:pic>
+      </p:grpSp>
     </p:spTree>
     <p:extLst>
       <p:ext uri="{BB962C8B-B14F-4D97-AF65-F5344CB8AC3E}">
